--- a/ppt 16-9/1068.看不见的时候.pptx
+++ b/ppt 16-9/1068.看不见的时候.pptx
@@ -5,7 +5,7 @@
     <p:sldMasterId id="2147483648" r:id="rId1"/>
   </p:sldMasterIdLst>
   <p:sldIdLst>
-    <p:sldId id="514" r:id="rId2"/>
+    <p:sldId id="516" r:id="rId2"/>
   </p:sldIdLst>
   <p:sldSz cx="12192000" cy="6858000"/>
   <p:notesSz cx="6858000" cy="9144000"/>
@@ -129,7 +129,7 @@
           <p:cNvPr id="2" name="标题 1">
             <a:extLst>
               <a:ext uri="{FF2B5EF4-FFF2-40B4-BE49-F238E27FC236}">
-                <a16:creationId xmlns:a16="http://schemas.microsoft.com/office/drawing/2014/main" id="{75936EC2-D4E7-68E1-8E43-54D91EEFC0A7}"/>
+                <a16:creationId xmlns:a16="http://schemas.microsoft.com/office/drawing/2014/main" id="{48EE0C15-D4D5-57BD-17F3-0BDC8FBAEE81}"/>
               </a:ext>
             </a:extLst>
           </p:cNvPr>
@@ -166,7 +166,7 @@
           <p:cNvPr id="3" name="副标题 2">
             <a:extLst>
               <a:ext uri="{FF2B5EF4-FFF2-40B4-BE49-F238E27FC236}">
-                <a16:creationId xmlns:a16="http://schemas.microsoft.com/office/drawing/2014/main" id="{CD2A2068-6EC1-92C2-6404-2080B0B4D325}"/>
+                <a16:creationId xmlns:a16="http://schemas.microsoft.com/office/drawing/2014/main" id="{AD9400BE-E304-771F-7725-B74AD1EDF6CF}"/>
               </a:ext>
             </a:extLst>
           </p:cNvPr>
@@ -236,7 +236,7 @@
           <p:cNvPr id="4" name="日期占位符 3">
             <a:extLst>
               <a:ext uri="{FF2B5EF4-FFF2-40B4-BE49-F238E27FC236}">
-                <a16:creationId xmlns:a16="http://schemas.microsoft.com/office/drawing/2014/main" id="{A6D7A72B-D8FC-810D-155B-FB142C20F1AC}"/>
+                <a16:creationId xmlns:a16="http://schemas.microsoft.com/office/drawing/2014/main" id="{2076C2FE-DFC8-2DA8-F445-1B8DAFB0374F}"/>
               </a:ext>
             </a:extLst>
           </p:cNvPr>
@@ -252,7 +252,7 @@
           <a:bodyPr/>
           <a:lstStyle/>
           <a:p>
-            <a:fld id="{4E64B947-EA59-4068-AD27-8BC8524AD9CC}" type="datetimeFigureOut">
+            <a:fld id="{54F4A203-6353-4E4E-BCDE-0221EDE2D899}" type="datetimeFigureOut">
               <a:rPr lang="zh-CN" altLang="en-US" smtClean="0"/>
               <a:t>2024/3/10</a:t>
             </a:fld>
@@ -265,7 +265,7 @@
           <p:cNvPr id="5" name="页脚占位符 4">
             <a:extLst>
               <a:ext uri="{FF2B5EF4-FFF2-40B4-BE49-F238E27FC236}">
-                <a16:creationId xmlns:a16="http://schemas.microsoft.com/office/drawing/2014/main" id="{ECE7ABF0-22FB-281E-DF6A-ADF679438C99}"/>
+                <a16:creationId xmlns:a16="http://schemas.microsoft.com/office/drawing/2014/main" id="{858D2C2F-B4AD-71EC-4CD9-D271471EFB7E}"/>
               </a:ext>
             </a:extLst>
           </p:cNvPr>
@@ -290,7 +290,7 @@
           <p:cNvPr id="6" name="灯片编号占位符 5">
             <a:extLst>
               <a:ext uri="{FF2B5EF4-FFF2-40B4-BE49-F238E27FC236}">
-                <a16:creationId xmlns:a16="http://schemas.microsoft.com/office/drawing/2014/main" id="{3057233D-C4E9-55E0-98C4-2AC8F9B880D6}"/>
+                <a16:creationId xmlns:a16="http://schemas.microsoft.com/office/drawing/2014/main" id="{554CFEDE-C063-9962-3670-E924766F7B13}"/>
               </a:ext>
             </a:extLst>
           </p:cNvPr>
@@ -306,7 +306,7 @@
           <a:bodyPr/>
           <a:lstStyle/>
           <a:p>
-            <a:fld id="{971F9F91-1848-4AE4-AD9B-E32938BAE0A2}" type="slidenum">
+            <a:fld id="{402DD71C-8FB7-4D09-9CF5-452EEF814976}" type="slidenum">
               <a:rPr lang="zh-CN" altLang="en-US" smtClean="0"/>
               <a:t>‹#›</a:t>
             </a:fld>
@@ -317,7 +317,7 @@
     </p:spTree>
     <p:extLst>
       <p:ext uri="{BB962C8B-B14F-4D97-AF65-F5344CB8AC3E}">
-        <p14:creationId xmlns:p14="http://schemas.microsoft.com/office/powerpoint/2010/main" val="2511156788"/>
+        <p14:creationId xmlns:p14="http://schemas.microsoft.com/office/powerpoint/2010/main" val="2816611232"/>
       </p:ext>
     </p:extLst>
   </p:cSld>
@@ -349,7 +349,7 @@
           <p:cNvPr id="2" name="标题 1">
             <a:extLst>
               <a:ext uri="{FF2B5EF4-FFF2-40B4-BE49-F238E27FC236}">
-                <a16:creationId xmlns:a16="http://schemas.microsoft.com/office/drawing/2014/main" id="{1C0DDB7A-2F40-C963-44AE-DD8103E0AEC3}"/>
+                <a16:creationId xmlns:a16="http://schemas.microsoft.com/office/drawing/2014/main" id="{6649D2B6-52A1-CA1C-B4EC-875BF30702EF}"/>
               </a:ext>
             </a:extLst>
           </p:cNvPr>
@@ -377,7 +377,7 @@
           <p:cNvPr id="3" name="竖排文字占位符 2">
             <a:extLst>
               <a:ext uri="{FF2B5EF4-FFF2-40B4-BE49-F238E27FC236}">
-                <a16:creationId xmlns:a16="http://schemas.microsoft.com/office/drawing/2014/main" id="{E4E385DF-2528-31ED-74CC-DE34E1214372}"/>
+                <a16:creationId xmlns:a16="http://schemas.microsoft.com/office/drawing/2014/main" id="{3C31D207-C590-12C5-257C-2B3E9B907BE3}"/>
               </a:ext>
             </a:extLst>
           </p:cNvPr>
@@ -434,7 +434,7 @@
           <p:cNvPr id="4" name="日期占位符 3">
             <a:extLst>
               <a:ext uri="{FF2B5EF4-FFF2-40B4-BE49-F238E27FC236}">
-                <a16:creationId xmlns:a16="http://schemas.microsoft.com/office/drawing/2014/main" id="{E14CE0EC-C941-C395-54C3-ED8C0416FE88}"/>
+                <a16:creationId xmlns:a16="http://schemas.microsoft.com/office/drawing/2014/main" id="{41A680D4-3975-A5E6-73C9-750FFBD830A6}"/>
               </a:ext>
             </a:extLst>
           </p:cNvPr>
@@ -450,7 +450,7 @@
           <a:bodyPr/>
           <a:lstStyle/>
           <a:p>
-            <a:fld id="{4E64B947-EA59-4068-AD27-8BC8524AD9CC}" type="datetimeFigureOut">
+            <a:fld id="{54F4A203-6353-4E4E-BCDE-0221EDE2D899}" type="datetimeFigureOut">
               <a:rPr lang="zh-CN" altLang="en-US" smtClean="0"/>
               <a:t>2024/3/10</a:t>
             </a:fld>
@@ -463,7 +463,7 @@
           <p:cNvPr id="5" name="页脚占位符 4">
             <a:extLst>
               <a:ext uri="{FF2B5EF4-FFF2-40B4-BE49-F238E27FC236}">
-                <a16:creationId xmlns:a16="http://schemas.microsoft.com/office/drawing/2014/main" id="{69CCE009-5207-FC80-5A91-140EB9654E0D}"/>
+                <a16:creationId xmlns:a16="http://schemas.microsoft.com/office/drawing/2014/main" id="{842139CF-F972-EFC6-6E7B-2EC0E4E7260D}"/>
               </a:ext>
             </a:extLst>
           </p:cNvPr>
@@ -488,7 +488,7 @@
           <p:cNvPr id="6" name="灯片编号占位符 5">
             <a:extLst>
               <a:ext uri="{FF2B5EF4-FFF2-40B4-BE49-F238E27FC236}">
-                <a16:creationId xmlns:a16="http://schemas.microsoft.com/office/drawing/2014/main" id="{0E9925F2-9D01-29E9-2AE2-0CCCF6EE8675}"/>
+                <a16:creationId xmlns:a16="http://schemas.microsoft.com/office/drawing/2014/main" id="{B0A7F7DF-63A4-D368-E135-90FBAE147EA7}"/>
               </a:ext>
             </a:extLst>
           </p:cNvPr>
@@ -504,7 +504,7 @@
           <a:bodyPr/>
           <a:lstStyle/>
           <a:p>
-            <a:fld id="{971F9F91-1848-4AE4-AD9B-E32938BAE0A2}" type="slidenum">
+            <a:fld id="{402DD71C-8FB7-4D09-9CF5-452EEF814976}" type="slidenum">
               <a:rPr lang="zh-CN" altLang="en-US" smtClean="0"/>
               <a:t>‹#›</a:t>
             </a:fld>
@@ -515,7 +515,7 @@
     </p:spTree>
     <p:extLst>
       <p:ext uri="{BB962C8B-B14F-4D97-AF65-F5344CB8AC3E}">
-        <p14:creationId xmlns:p14="http://schemas.microsoft.com/office/powerpoint/2010/main" val="3306380068"/>
+        <p14:creationId xmlns:p14="http://schemas.microsoft.com/office/powerpoint/2010/main" val="980985300"/>
       </p:ext>
     </p:extLst>
   </p:cSld>
@@ -547,7 +547,7 @@
           <p:cNvPr id="2" name="竖排标题 1">
             <a:extLst>
               <a:ext uri="{FF2B5EF4-FFF2-40B4-BE49-F238E27FC236}">
-                <a16:creationId xmlns:a16="http://schemas.microsoft.com/office/drawing/2014/main" id="{350505B4-E03E-55BC-1288-E3C843DB60BA}"/>
+                <a16:creationId xmlns:a16="http://schemas.microsoft.com/office/drawing/2014/main" id="{F3209180-6C7E-E99D-0560-914036768E4E}"/>
               </a:ext>
             </a:extLst>
           </p:cNvPr>
@@ -580,7 +580,7 @@
           <p:cNvPr id="3" name="竖排文字占位符 2">
             <a:extLst>
               <a:ext uri="{FF2B5EF4-FFF2-40B4-BE49-F238E27FC236}">
-                <a16:creationId xmlns:a16="http://schemas.microsoft.com/office/drawing/2014/main" id="{FA88BD5E-F5F7-40AB-AA03-24C68513C2C4}"/>
+                <a16:creationId xmlns:a16="http://schemas.microsoft.com/office/drawing/2014/main" id="{918804E6-7F26-97DE-E1DD-AC59BF50E283}"/>
               </a:ext>
             </a:extLst>
           </p:cNvPr>
@@ -642,7 +642,7 @@
           <p:cNvPr id="4" name="日期占位符 3">
             <a:extLst>
               <a:ext uri="{FF2B5EF4-FFF2-40B4-BE49-F238E27FC236}">
-                <a16:creationId xmlns:a16="http://schemas.microsoft.com/office/drawing/2014/main" id="{45C79722-EC00-E1E2-C6BC-3EED0190653D}"/>
+                <a16:creationId xmlns:a16="http://schemas.microsoft.com/office/drawing/2014/main" id="{FDC2322E-5C96-042D-2994-1D6487DF311D}"/>
               </a:ext>
             </a:extLst>
           </p:cNvPr>
@@ -658,7 +658,7 @@
           <a:bodyPr/>
           <a:lstStyle/>
           <a:p>
-            <a:fld id="{4E64B947-EA59-4068-AD27-8BC8524AD9CC}" type="datetimeFigureOut">
+            <a:fld id="{54F4A203-6353-4E4E-BCDE-0221EDE2D899}" type="datetimeFigureOut">
               <a:rPr lang="zh-CN" altLang="en-US" smtClean="0"/>
               <a:t>2024/3/10</a:t>
             </a:fld>
@@ -671,7 +671,7 @@
           <p:cNvPr id="5" name="页脚占位符 4">
             <a:extLst>
               <a:ext uri="{FF2B5EF4-FFF2-40B4-BE49-F238E27FC236}">
-                <a16:creationId xmlns:a16="http://schemas.microsoft.com/office/drawing/2014/main" id="{5E8CAD71-EEA8-4496-A1AB-4CED910866F1}"/>
+                <a16:creationId xmlns:a16="http://schemas.microsoft.com/office/drawing/2014/main" id="{3C20A161-3A34-25C0-D0BD-36BF7D5E1612}"/>
               </a:ext>
             </a:extLst>
           </p:cNvPr>
@@ -696,7 +696,7 @@
           <p:cNvPr id="6" name="灯片编号占位符 5">
             <a:extLst>
               <a:ext uri="{FF2B5EF4-FFF2-40B4-BE49-F238E27FC236}">
-                <a16:creationId xmlns:a16="http://schemas.microsoft.com/office/drawing/2014/main" id="{903C364F-0B96-4897-F00A-0793CAD0A1E3}"/>
+                <a16:creationId xmlns:a16="http://schemas.microsoft.com/office/drawing/2014/main" id="{6C4C825C-73D2-247A-FAB4-AFC8348F91E3}"/>
               </a:ext>
             </a:extLst>
           </p:cNvPr>
@@ -712,7 +712,7 @@
           <a:bodyPr/>
           <a:lstStyle/>
           <a:p>
-            <a:fld id="{971F9F91-1848-4AE4-AD9B-E32938BAE0A2}" type="slidenum">
+            <a:fld id="{402DD71C-8FB7-4D09-9CF5-452EEF814976}" type="slidenum">
               <a:rPr lang="zh-CN" altLang="en-US" smtClean="0"/>
               <a:t>‹#›</a:t>
             </a:fld>
@@ -723,7 +723,7 @@
     </p:spTree>
     <p:extLst>
       <p:ext uri="{BB962C8B-B14F-4D97-AF65-F5344CB8AC3E}">
-        <p14:creationId xmlns:p14="http://schemas.microsoft.com/office/powerpoint/2010/main" val="3694350063"/>
+        <p14:creationId xmlns:p14="http://schemas.microsoft.com/office/powerpoint/2010/main" val="2592975611"/>
       </p:ext>
     </p:extLst>
   </p:cSld>
@@ -755,7 +755,7 @@
           <p:cNvPr id="2" name="标题 1">
             <a:extLst>
               <a:ext uri="{FF2B5EF4-FFF2-40B4-BE49-F238E27FC236}">
-                <a16:creationId xmlns:a16="http://schemas.microsoft.com/office/drawing/2014/main" id="{065D072C-C9FA-14B4-C1F1-FB99C7A2FAF5}"/>
+                <a16:creationId xmlns:a16="http://schemas.microsoft.com/office/drawing/2014/main" id="{AB058F54-ECD2-C575-CBD8-A6AD24D7996B}"/>
               </a:ext>
             </a:extLst>
           </p:cNvPr>
@@ -783,7 +783,7 @@
           <p:cNvPr id="3" name="内容占位符 2">
             <a:extLst>
               <a:ext uri="{FF2B5EF4-FFF2-40B4-BE49-F238E27FC236}">
-                <a16:creationId xmlns:a16="http://schemas.microsoft.com/office/drawing/2014/main" id="{83DE9CE1-FB3A-9155-7BDA-65BAFBE32854}"/>
+                <a16:creationId xmlns:a16="http://schemas.microsoft.com/office/drawing/2014/main" id="{F568011D-C052-CC93-5681-21E40EE663A7}"/>
               </a:ext>
             </a:extLst>
           </p:cNvPr>
@@ -840,7 +840,7 @@
           <p:cNvPr id="4" name="日期占位符 3">
             <a:extLst>
               <a:ext uri="{FF2B5EF4-FFF2-40B4-BE49-F238E27FC236}">
-                <a16:creationId xmlns:a16="http://schemas.microsoft.com/office/drawing/2014/main" id="{77815BF4-37C3-04D5-A501-31CA39C876B1}"/>
+                <a16:creationId xmlns:a16="http://schemas.microsoft.com/office/drawing/2014/main" id="{4CF7C6C3-6D69-4B88-AE1E-C6C2D290694D}"/>
               </a:ext>
             </a:extLst>
           </p:cNvPr>
@@ -856,7 +856,7 @@
           <a:bodyPr/>
           <a:lstStyle/>
           <a:p>
-            <a:fld id="{4E64B947-EA59-4068-AD27-8BC8524AD9CC}" type="datetimeFigureOut">
+            <a:fld id="{54F4A203-6353-4E4E-BCDE-0221EDE2D899}" type="datetimeFigureOut">
               <a:rPr lang="zh-CN" altLang="en-US" smtClean="0"/>
               <a:t>2024/3/10</a:t>
             </a:fld>
@@ -869,7 +869,7 @@
           <p:cNvPr id="5" name="页脚占位符 4">
             <a:extLst>
               <a:ext uri="{FF2B5EF4-FFF2-40B4-BE49-F238E27FC236}">
-                <a16:creationId xmlns:a16="http://schemas.microsoft.com/office/drawing/2014/main" id="{8582FC16-8BFB-1EA2-C4CB-EC71BFE5536D}"/>
+                <a16:creationId xmlns:a16="http://schemas.microsoft.com/office/drawing/2014/main" id="{87412016-CB5B-94DE-FF5C-A90A0CB148CA}"/>
               </a:ext>
             </a:extLst>
           </p:cNvPr>
@@ -894,7 +894,7 @@
           <p:cNvPr id="6" name="灯片编号占位符 5">
             <a:extLst>
               <a:ext uri="{FF2B5EF4-FFF2-40B4-BE49-F238E27FC236}">
-                <a16:creationId xmlns:a16="http://schemas.microsoft.com/office/drawing/2014/main" id="{C88D95A1-4E05-BEDB-CD1A-A74EB9F161C2}"/>
+                <a16:creationId xmlns:a16="http://schemas.microsoft.com/office/drawing/2014/main" id="{E8F02AF2-1F95-99A7-A707-B0E88A895FF3}"/>
               </a:ext>
             </a:extLst>
           </p:cNvPr>
@@ -910,7 +910,7 @@
           <a:bodyPr/>
           <a:lstStyle/>
           <a:p>
-            <a:fld id="{971F9F91-1848-4AE4-AD9B-E32938BAE0A2}" type="slidenum">
+            <a:fld id="{402DD71C-8FB7-4D09-9CF5-452EEF814976}" type="slidenum">
               <a:rPr lang="zh-CN" altLang="en-US" smtClean="0"/>
               <a:t>‹#›</a:t>
             </a:fld>
@@ -921,7 +921,7 @@
     </p:spTree>
     <p:extLst>
       <p:ext uri="{BB962C8B-B14F-4D97-AF65-F5344CB8AC3E}">
-        <p14:creationId xmlns:p14="http://schemas.microsoft.com/office/powerpoint/2010/main" val="112750858"/>
+        <p14:creationId xmlns:p14="http://schemas.microsoft.com/office/powerpoint/2010/main" val="4170975839"/>
       </p:ext>
     </p:extLst>
   </p:cSld>
@@ -953,7 +953,7 @@
           <p:cNvPr id="2" name="标题 1">
             <a:extLst>
               <a:ext uri="{FF2B5EF4-FFF2-40B4-BE49-F238E27FC236}">
-                <a16:creationId xmlns:a16="http://schemas.microsoft.com/office/drawing/2014/main" id="{8E53BADE-615E-3BF0-D1EB-2D2BDDB52005}"/>
+                <a16:creationId xmlns:a16="http://schemas.microsoft.com/office/drawing/2014/main" id="{523CAAF5-FD6E-A957-B26C-AE01761485FB}"/>
               </a:ext>
             </a:extLst>
           </p:cNvPr>
@@ -990,7 +990,7 @@
           <p:cNvPr id="3" name="文本占位符 2">
             <a:extLst>
               <a:ext uri="{FF2B5EF4-FFF2-40B4-BE49-F238E27FC236}">
-                <a16:creationId xmlns:a16="http://schemas.microsoft.com/office/drawing/2014/main" id="{AF0BB0E1-E841-1356-7870-63B1C4CE1F4C}"/>
+                <a16:creationId xmlns:a16="http://schemas.microsoft.com/office/drawing/2014/main" id="{CF06AC81-A0D1-C36C-8689-4E603C523E74}"/>
               </a:ext>
             </a:extLst>
           </p:cNvPr>
@@ -1115,7 +1115,7 @@
           <p:cNvPr id="4" name="日期占位符 3">
             <a:extLst>
               <a:ext uri="{FF2B5EF4-FFF2-40B4-BE49-F238E27FC236}">
-                <a16:creationId xmlns:a16="http://schemas.microsoft.com/office/drawing/2014/main" id="{16ED4B7D-DF72-7C3B-E668-7214D5402ACE}"/>
+                <a16:creationId xmlns:a16="http://schemas.microsoft.com/office/drawing/2014/main" id="{A1ED2375-278E-D3E7-6147-3C2601E358F4}"/>
               </a:ext>
             </a:extLst>
           </p:cNvPr>
@@ -1131,7 +1131,7 @@
           <a:bodyPr/>
           <a:lstStyle/>
           <a:p>
-            <a:fld id="{4E64B947-EA59-4068-AD27-8BC8524AD9CC}" type="datetimeFigureOut">
+            <a:fld id="{54F4A203-6353-4E4E-BCDE-0221EDE2D899}" type="datetimeFigureOut">
               <a:rPr lang="zh-CN" altLang="en-US" smtClean="0"/>
               <a:t>2024/3/10</a:t>
             </a:fld>
@@ -1144,7 +1144,7 @@
           <p:cNvPr id="5" name="页脚占位符 4">
             <a:extLst>
               <a:ext uri="{FF2B5EF4-FFF2-40B4-BE49-F238E27FC236}">
-                <a16:creationId xmlns:a16="http://schemas.microsoft.com/office/drawing/2014/main" id="{06EAE64B-A6B7-815A-3910-D7247DCDB2A5}"/>
+                <a16:creationId xmlns:a16="http://schemas.microsoft.com/office/drawing/2014/main" id="{BC4A6046-7796-750C-01F6-F8E34F58C154}"/>
               </a:ext>
             </a:extLst>
           </p:cNvPr>
@@ -1169,7 +1169,7 @@
           <p:cNvPr id="6" name="灯片编号占位符 5">
             <a:extLst>
               <a:ext uri="{FF2B5EF4-FFF2-40B4-BE49-F238E27FC236}">
-                <a16:creationId xmlns:a16="http://schemas.microsoft.com/office/drawing/2014/main" id="{B1A4FD0A-D545-4E94-79C2-88D3E48AA676}"/>
+                <a16:creationId xmlns:a16="http://schemas.microsoft.com/office/drawing/2014/main" id="{D1DBEA0A-9C28-6C38-DC03-BE30A8D181EA}"/>
               </a:ext>
             </a:extLst>
           </p:cNvPr>
@@ -1185,7 +1185,7 @@
           <a:bodyPr/>
           <a:lstStyle/>
           <a:p>
-            <a:fld id="{971F9F91-1848-4AE4-AD9B-E32938BAE0A2}" type="slidenum">
+            <a:fld id="{402DD71C-8FB7-4D09-9CF5-452EEF814976}" type="slidenum">
               <a:rPr lang="zh-CN" altLang="en-US" smtClean="0"/>
               <a:t>‹#›</a:t>
             </a:fld>
@@ -1196,7 +1196,7 @@
     </p:spTree>
     <p:extLst>
       <p:ext uri="{BB962C8B-B14F-4D97-AF65-F5344CB8AC3E}">
-        <p14:creationId xmlns:p14="http://schemas.microsoft.com/office/powerpoint/2010/main" val="2771162935"/>
+        <p14:creationId xmlns:p14="http://schemas.microsoft.com/office/powerpoint/2010/main" val="1971442450"/>
       </p:ext>
     </p:extLst>
   </p:cSld>
@@ -1228,7 +1228,7 @@
           <p:cNvPr id="2" name="标题 1">
             <a:extLst>
               <a:ext uri="{FF2B5EF4-FFF2-40B4-BE49-F238E27FC236}">
-                <a16:creationId xmlns:a16="http://schemas.microsoft.com/office/drawing/2014/main" id="{EB2664E6-3748-70F8-4C2C-EA72B6ACCCE9}"/>
+                <a16:creationId xmlns:a16="http://schemas.microsoft.com/office/drawing/2014/main" id="{6E11958B-D651-7239-3A35-F5FC0C2DD654}"/>
               </a:ext>
             </a:extLst>
           </p:cNvPr>
@@ -1256,7 +1256,7 @@
           <p:cNvPr id="3" name="内容占位符 2">
             <a:extLst>
               <a:ext uri="{FF2B5EF4-FFF2-40B4-BE49-F238E27FC236}">
-                <a16:creationId xmlns:a16="http://schemas.microsoft.com/office/drawing/2014/main" id="{BA0FAC18-71E5-FB73-27A3-819FA32177AE}"/>
+                <a16:creationId xmlns:a16="http://schemas.microsoft.com/office/drawing/2014/main" id="{3E5F6D52-56E1-5AD9-0569-E23D753BA28C}"/>
               </a:ext>
             </a:extLst>
           </p:cNvPr>
@@ -1318,7 +1318,7 @@
           <p:cNvPr id="4" name="内容占位符 3">
             <a:extLst>
               <a:ext uri="{FF2B5EF4-FFF2-40B4-BE49-F238E27FC236}">
-                <a16:creationId xmlns:a16="http://schemas.microsoft.com/office/drawing/2014/main" id="{478C3ED6-C2D3-A7EA-5342-AD4EBCAEE9DF}"/>
+                <a16:creationId xmlns:a16="http://schemas.microsoft.com/office/drawing/2014/main" id="{9EBE120D-E787-DF61-DA19-93D4053038E4}"/>
               </a:ext>
             </a:extLst>
           </p:cNvPr>
@@ -1380,7 +1380,7 @@
           <p:cNvPr id="5" name="日期占位符 4">
             <a:extLst>
               <a:ext uri="{FF2B5EF4-FFF2-40B4-BE49-F238E27FC236}">
-                <a16:creationId xmlns:a16="http://schemas.microsoft.com/office/drawing/2014/main" id="{5AA9C13A-9810-C090-58C2-E13C8FF3631E}"/>
+                <a16:creationId xmlns:a16="http://schemas.microsoft.com/office/drawing/2014/main" id="{42F92E94-2912-044A-5EB3-D982FDB28A1E}"/>
               </a:ext>
             </a:extLst>
           </p:cNvPr>
@@ -1396,7 +1396,7 @@
           <a:bodyPr/>
           <a:lstStyle/>
           <a:p>
-            <a:fld id="{4E64B947-EA59-4068-AD27-8BC8524AD9CC}" type="datetimeFigureOut">
+            <a:fld id="{54F4A203-6353-4E4E-BCDE-0221EDE2D899}" type="datetimeFigureOut">
               <a:rPr lang="zh-CN" altLang="en-US" smtClean="0"/>
               <a:t>2024/3/10</a:t>
             </a:fld>
@@ -1409,7 +1409,7 @@
           <p:cNvPr id="6" name="页脚占位符 5">
             <a:extLst>
               <a:ext uri="{FF2B5EF4-FFF2-40B4-BE49-F238E27FC236}">
-                <a16:creationId xmlns:a16="http://schemas.microsoft.com/office/drawing/2014/main" id="{9FA4FC66-0EEE-9CC3-B656-1C73B31C7044}"/>
+                <a16:creationId xmlns:a16="http://schemas.microsoft.com/office/drawing/2014/main" id="{9962050D-DA26-D6A5-26B7-581325D8EAB3}"/>
               </a:ext>
             </a:extLst>
           </p:cNvPr>
@@ -1434,7 +1434,7 @@
           <p:cNvPr id="7" name="灯片编号占位符 6">
             <a:extLst>
               <a:ext uri="{FF2B5EF4-FFF2-40B4-BE49-F238E27FC236}">
-                <a16:creationId xmlns:a16="http://schemas.microsoft.com/office/drawing/2014/main" id="{5E46A494-A001-481E-D48A-5B1763EE8445}"/>
+                <a16:creationId xmlns:a16="http://schemas.microsoft.com/office/drawing/2014/main" id="{26603C91-00E7-D2DA-7D7C-4B581E7FE6D2}"/>
               </a:ext>
             </a:extLst>
           </p:cNvPr>
@@ -1450,7 +1450,7 @@
           <a:bodyPr/>
           <a:lstStyle/>
           <a:p>
-            <a:fld id="{971F9F91-1848-4AE4-AD9B-E32938BAE0A2}" type="slidenum">
+            <a:fld id="{402DD71C-8FB7-4D09-9CF5-452EEF814976}" type="slidenum">
               <a:rPr lang="zh-CN" altLang="en-US" smtClean="0"/>
               <a:t>‹#›</a:t>
             </a:fld>
@@ -1461,7 +1461,7 @@
     </p:spTree>
     <p:extLst>
       <p:ext uri="{BB962C8B-B14F-4D97-AF65-F5344CB8AC3E}">
-        <p14:creationId xmlns:p14="http://schemas.microsoft.com/office/powerpoint/2010/main" val="398155623"/>
+        <p14:creationId xmlns:p14="http://schemas.microsoft.com/office/powerpoint/2010/main" val="3119390593"/>
       </p:ext>
     </p:extLst>
   </p:cSld>
@@ -1493,7 +1493,7 @@
           <p:cNvPr id="2" name="标题 1">
             <a:extLst>
               <a:ext uri="{FF2B5EF4-FFF2-40B4-BE49-F238E27FC236}">
-                <a16:creationId xmlns:a16="http://schemas.microsoft.com/office/drawing/2014/main" id="{5DB73626-FDB7-B9E6-BC99-EA2A5399BC06}"/>
+                <a16:creationId xmlns:a16="http://schemas.microsoft.com/office/drawing/2014/main" id="{43AA35F7-BB55-5804-8967-2871A2916597}"/>
               </a:ext>
             </a:extLst>
           </p:cNvPr>
@@ -1526,7 +1526,7 @@
           <p:cNvPr id="3" name="文本占位符 2">
             <a:extLst>
               <a:ext uri="{FF2B5EF4-FFF2-40B4-BE49-F238E27FC236}">
-                <a16:creationId xmlns:a16="http://schemas.microsoft.com/office/drawing/2014/main" id="{9B4BB9EE-8807-F041-6679-DE7FC456B634}"/>
+                <a16:creationId xmlns:a16="http://schemas.microsoft.com/office/drawing/2014/main" id="{D4C6B17A-27B5-FFD9-0785-04ABF24AAAB8}"/>
               </a:ext>
             </a:extLst>
           </p:cNvPr>
@@ -1597,7 +1597,7 @@
           <p:cNvPr id="4" name="内容占位符 3">
             <a:extLst>
               <a:ext uri="{FF2B5EF4-FFF2-40B4-BE49-F238E27FC236}">
-                <a16:creationId xmlns:a16="http://schemas.microsoft.com/office/drawing/2014/main" id="{55DAB0FF-2D95-E6F9-2F42-B90B57AE91E6}"/>
+                <a16:creationId xmlns:a16="http://schemas.microsoft.com/office/drawing/2014/main" id="{B71CF465-823E-17D1-85AE-09192E2580B4}"/>
               </a:ext>
             </a:extLst>
           </p:cNvPr>
@@ -1659,7 +1659,7 @@
           <p:cNvPr id="5" name="文本占位符 4">
             <a:extLst>
               <a:ext uri="{FF2B5EF4-FFF2-40B4-BE49-F238E27FC236}">
-                <a16:creationId xmlns:a16="http://schemas.microsoft.com/office/drawing/2014/main" id="{0FBCBE04-7D43-0B77-DE05-DAADE41A00F4}"/>
+                <a16:creationId xmlns:a16="http://schemas.microsoft.com/office/drawing/2014/main" id="{C46B9243-1825-D36C-D957-B7742A8B1CE0}"/>
               </a:ext>
             </a:extLst>
           </p:cNvPr>
@@ -1730,7 +1730,7 @@
           <p:cNvPr id="6" name="内容占位符 5">
             <a:extLst>
               <a:ext uri="{FF2B5EF4-FFF2-40B4-BE49-F238E27FC236}">
-                <a16:creationId xmlns:a16="http://schemas.microsoft.com/office/drawing/2014/main" id="{E1AC487E-C5A5-B64E-4B36-6D73CA61CBC0}"/>
+                <a16:creationId xmlns:a16="http://schemas.microsoft.com/office/drawing/2014/main" id="{45629031-455F-3F31-2671-9D17C8980644}"/>
               </a:ext>
             </a:extLst>
           </p:cNvPr>
@@ -1792,7 +1792,7 @@
           <p:cNvPr id="7" name="日期占位符 6">
             <a:extLst>
               <a:ext uri="{FF2B5EF4-FFF2-40B4-BE49-F238E27FC236}">
-                <a16:creationId xmlns:a16="http://schemas.microsoft.com/office/drawing/2014/main" id="{42BE6033-7A78-62B3-C7CB-2C09B49C3C23}"/>
+                <a16:creationId xmlns:a16="http://schemas.microsoft.com/office/drawing/2014/main" id="{EDCCA519-2852-8C24-066F-994469796116}"/>
               </a:ext>
             </a:extLst>
           </p:cNvPr>
@@ -1808,7 +1808,7 @@
           <a:bodyPr/>
           <a:lstStyle/>
           <a:p>
-            <a:fld id="{4E64B947-EA59-4068-AD27-8BC8524AD9CC}" type="datetimeFigureOut">
+            <a:fld id="{54F4A203-6353-4E4E-BCDE-0221EDE2D899}" type="datetimeFigureOut">
               <a:rPr lang="zh-CN" altLang="en-US" smtClean="0"/>
               <a:t>2024/3/10</a:t>
             </a:fld>
@@ -1821,7 +1821,7 @@
           <p:cNvPr id="8" name="页脚占位符 7">
             <a:extLst>
               <a:ext uri="{FF2B5EF4-FFF2-40B4-BE49-F238E27FC236}">
-                <a16:creationId xmlns:a16="http://schemas.microsoft.com/office/drawing/2014/main" id="{892AAAA3-98DD-25F2-AC2D-1E1D69C9F464}"/>
+                <a16:creationId xmlns:a16="http://schemas.microsoft.com/office/drawing/2014/main" id="{3FE28AFE-54B1-4DE0-D599-F9442175F37B}"/>
               </a:ext>
             </a:extLst>
           </p:cNvPr>
@@ -1846,7 +1846,7 @@
           <p:cNvPr id="9" name="灯片编号占位符 8">
             <a:extLst>
               <a:ext uri="{FF2B5EF4-FFF2-40B4-BE49-F238E27FC236}">
-                <a16:creationId xmlns:a16="http://schemas.microsoft.com/office/drawing/2014/main" id="{8DFC2EF6-08A1-B019-B174-CBA702615F13}"/>
+                <a16:creationId xmlns:a16="http://schemas.microsoft.com/office/drawing/2014/main" id="{8A061ABD-764A-5997-8327-50873B364944}"/>
               </a:ext>
             </a:extLst>
           </p:cNvPr>
@@ -1862,7 +1862,7 @@
           <a:bodyPr/>
           <a:lstStyle/>
           <a:p>
-            <a:fld id="{971F9F91-1848-4AE4-AD9B-E32938BAE0A2}" type="slidenum">
+            <a:fld id="{402DD71C-8FB7-4D09-9CF5-452EEF814976}" type="slidenum">
               <a:rPr lang="zh-CN" altLang="en-US" smtClean="0"/>
               <a:t>‹#›</a:t>
             </a:fld>
@@ -1873,7 +1873,7 @@
     </p:spTree>
     <p:extLst>
       <p:ext uri="{BB962C8B-B14F-4D97-AF65-F5344CB8AC3E}">
-        <p14:creationId xmlns:p14="http://schemas.microsoft.com/office/powerpoint/2010/main" val="1078184606"/>
+        <p14:creationId xmlns:p14="http://schemas.microsoft.com/office/powerpoint/2010/main" val="1696597051"/>
       </p:ext>
     </p:extLst>
   </p:cSld>
@@ -1905,7 +1905,7 @@
           <p:cNvPr id="2" name="标题 1">
             <a:extLst>
               <a:ext uri="{FF2B5EF4-FFF2-40B4-BE49-F238E27FC236}">
-                <a16:creationId xmlns:a16="http://schemas.microsoft.com/office/drawing/2014/main" id="{E7721410-0002-188E-A585-A80CFD620CAB}"/>
+                <a16:creationId xmlns:a16="http://schemas.microsoft.com/office/drawing/2014/main" id="{1FADFFF9-EAD1-AF9E-690F-A6D21A642257}"/>
               </a:ext>
             </a:extLst>
           </p:cNvPr>
@@ -1933,7 +1933,7 @@
           <p:cNvPr id="3" name="日期占位符 2">
             <a:extLst>
               <a:ext uri="{FF2B5EF4-FFF2-40B4-BE49-F238E27FC236}">
-                <a16:creationId xmlns:a16="http://schemas.microsoft.com/office/drawing/2014/main" id="{B13AA25C-38A4-9DC2-EFD2-04D40FD2DC1B}"/>
+                <a16:creationId xmlns:a16="http://schemas.microsoft.com/office/drawing/2014/main" id="{1CDA8496-361F-0046-01ED-0B246BB293DF}"/>
               </a:ext>
             </a:extLst>
           </p:cNvPr>
@@ -1949,7 +1949,7 @@
           <a:bodyPr/>
           <a:lstStyle/>
           <a:p>
-            <a:fld id="{4E64B947-EA59-4068-AD27-8BC8524AD9CC}" type="datetimeFigureOut">
+            <a:fld id="{54F4A203-6353-4E4E-BCDE-0221EDE2D899}" type="datetimeFigureOut">
               <a:rPr lang="zh-CN" altLang="en-US" smtClean="0"/>
               <a:t>2024/3/10</a:t>
             </a:fld>
@@ -1962,7 +1962,7 @@
           <p:cNvPr id="4" name="页脚占位符 3">
             <a:extLst>
               <a:ext uri="{FF2B5EF4-FFF2-40B4-BE49-F238E27FC236}">
-                <a16:creationId xmlns:a16="http://schemas.microsoft.com/office/drawing/2014/main" id="{94E24BB8-C11F-CFBA-58B6-57FB928E6FA6}"/>
+                <a16:creationId xmlns:a16="http://schemas.microsoft.com/office/drawing/2014/main" id="{6A14B69F-2BC4-24D4-BE78-DD881E2E3548}"/>
               </a:ext>
             </a:extLst>
           </p:cNvPr>
@@ -1987,7 +1987,7 @@
           <p:cNvPr id="5" name="灯片编号占位符 4">
             <a:extLst>
               <a:ext uri="{FF2B5EF4-FFF2-40B4-BE49-F238E27FC236}">
-                <a16:creationId xmlns:a16="http://schemas.microsoft.com/office/drawing/2014/main" id="{13D6D28E-E1EE-345D-BA95-30B5388A7A89}"/>
+                <a16:creationId xmlns:a16="http://schemas.microsoft.com/office/drawing/2014/main" id="{6C5BFAC8-A208-B69E-0509-86DE29F91029}"/>
               </a:ext>
             </a:extLst>
           </p:cNvPr>
@@ -2003,7 +2003,7 @@
           <a:bodyPr/>
           <a:lstStyle/>
           <a:p>
-            <a:fld id="{971F9F91-1848-4AE4-AD9B-E32938BAE0A2}" type="slidenum">
+            <a:fld id="{402DD71C-8FB7-4D09-9CF5-452EEF814976}" type="slidenum">
               <a:rPr lang="zh-CN" altLang="en-US" smtClean="0"/>
               <a:t>‹#›</a:t>
             </a:fld>
@@ -2014,7 +2014,7 @@
     </p:spTree>
     <p:extLst>
       <p:ext uri="{BB962C8B-B14F-4D97-AF65-F5344CB8AC3E}">
-        <p14:creationId xmlns:p14="http://schemas.microsoft.com/office/powerpoint/2010/main" val="3926973851"/>
+        <p14:creationId xmlns:p14="http://schemas.microsoft.com/office/powerpoint/2010/main" val="241434538"/>
       </p:ext>
     </p:extLst>
   </p:cSld>
@@ -2046,7 +2046,7 @@
           <p:cNvPr id="2" name="日期占位符 1">
             <a:extLst>
               <a:ext uri="{FF2B5EF4-FFF2-40B4-BE49-F238E27FC236}">
-                <a16:creationId xmlns:a16="http://schemas.microsoft.com/office/drawing/2014/main" id="{DE1E7FFA-B579-3AB3-A090-3D1389853F07}"/>
+                <a16:creationId xmlns:a16="http://schemas.microsoft.com/office/drawing/2014/main" id="{743E1A92-4885-CA09-F5C0-0A247EB69573}"/>
               </a:ext>
             </a:extLst>
           </p:cNvPr>
@@ -2062,7 +2062,7 @@
           <a:bodyPr/>
           <a:lstStyle/>
           <a:p>
-            <a:fld id="{4E64B947-EA59-4068-AD27-8BC8524AD9CC}" type="datetimeFigureOut">
+            <a:fld id="{54F4A203-6353-4E4E-BCDE-0221EDE2D899}" type="datetimeFigureOut">
               <a:rPr lang="zh-CN" altLang="en-US" smtClean="0"/>
               <a:t>2024/3/10</a:t>
             </a:fld>
@@ -2075,7 +2075,7 @@
           <p:cNvPr id="3" name="页脚占位符 2">
             <a:extLst>
               <a:ext uri="{FF2B5EF4-FFF2-40B4-BE49-F238E27FC236}">
-                <a16:creationId xmlns:a16="http://schemas.microsoft.com/office/drawing/2014/main" id="{C66A82A6-7776-ACBB-0C1B-C8BDB47E3E7E}"/>
+                <a16:creationId xmlns:a16="http://schemas.microsoft.com/office/drawing/2014/main" id="{7201F37F-D642-C674-5082-E682710C2E48}"/>
               </a:ext>
             </a:extLst>
           </p:cNvPr>
@@ -2100,7 +2100,7 @@
           <p:cNvPr id="4" name="灯片编号占位符 3">
             <a:extLst>
               <a:ext uri="{FF2B5EF4-FFF2-40B4-BE49-F238E27FC236}">
-                <a16:creationId xmlns:a16="http://schemas.microsoft.com/office/drawing/2014/main" id="{D7C10460-1AA2-CA83-CB19-5126DFA8214C}"/>
+                <a16:creationId xmlns:a16="http://schemas.microsoft.com/office/drawing/2014/main" id="{BB7B69A6-609B-75BF-2583-FD7E3F2DDB9D}"/>
               </a:ext>
             </a:extLst>
           </p:cNvPr>
@@ -2116,7 +2116,7 @@
           <a:bodyPr/>
           <a:lstStyle/>
           <a:p>
-            <a:fld id="{971F9F91-1848-4AE4-AD9B-E32938BAE0A2}" type="slidenum">
+            <a:fld id="{402DD71C-8FB7-4D09-9CF5-452EEF814976}" type="slidenum">
               <a:rPr lang="zh-CN" altLang="en-US" smtClean="0"/>
               <a:t>‹#›</a:t>
             </a:fld>
@@ -2127,7 +2127,7 @@
     </p:spTree>
     <p:extLst>
       <p:ext uri="{BB962C8B-B14F-4D97-AF65-F5344CB8AC3E}">
-        <p14:creationId xmlns:p14="http://schemas.microsoft.com/office/powerpoint/2010/main" val="2743096989"/>
+        <p14:creationId xmlns:p14="http://schemas.microsoft.com/office/powerpoint/2010/main" val="2911137774"/>
       </p:ext>
     </p:extLst>
   </p:cSld>
@@ -2159,7 +2159,7 @@
           <p:cNvPr id="2" name="标题 1">
             <a:extLst>
               <a:ext uri="{FF2B5EF4-FFF2-40B4-BE49-F238E27FC236}">
-                <a16:creationId xmlns:a16="http://schemas.microsoft.com/office/drawing/2014/main" id="{5E953C6D-5508-7815-B616-DEC167916583}"/>
+                <a16:creationId xmlns:a16="http://schemas.microsoft.com/office/drawing/2014/main" id="{3390BE20-9D23-4F17-29C1-BA5291D4D3D7}"/>
               </a:ext>
             </a:extLst>
           </p:cNvPr>
@@ -2196,7 +2196,7 @@
           <p:cNvPr id="3" name="内容占位符 2">
             <a:extLst>
               <a:ext uri="{FF2B5EF4-FFF2-40B4-BE49-F238E27FC236}">
-                <a16:creationId xmlns:a16="http://schemas.microsoft.com/office/drawing/2014/main" id="{77C5A149-60F4-7D0E-623E-648ABC6B55D4}"/>
+                <a16:creationId xmlns:a16="http://schemas.microsoft.com/office/drawing/2014/main" id="{AC2E694E-12AB-8D4A-4B2E-83E75E4CCE5C}"/>
               </a:ext>
             </a:extLst>
           </p:cNvPr>
@@ -2286,7 +2286,7 @@
           <p:cNvPr id="4" name="文本占位符 3">
             <a:extLst>
               <a:ext uri="{FF2B5EF4-FFF2-40B4-BE49-F238E27FC236}">
-                <a16:creationId xmlns:a16="http://schemas.microsoft.com/office/drawing/2014/main" id="{8FA2C803-3ADA-F81E-238E-707BEE035DB8}"/>
+                <a16:creationId xmlns:a16="http://schemas.microsoft.com/office/drawing/2014/main" id="{E5710375-5928-B5FA-A590-41AABF1EB600}"/>
               </a:ext>
             </a:extLst>
           </p:cNvPr>
@@ -2357,7 +2357,7 @@
           <p:cNvPr id="5" name="日期占位符 4">
             <a:extLst>
               <a:ext uri="{FF2B5EF4-FFF2-40B4-BE49-F238E27FC236}">
-                <a16:creationId xmlns:a16="http://schemas.microsoft.com/office/drawing/2014/main" id="{C7AE6AA6-D797-8930-6803-8E4E30A54C4C}"/>
+                <a16:creationId xmlns:a16="http://schemas.microsoft.com/office/drawing/2014/main" id="{F0E2727D-3678-B051-ED93-083FCF0C4B61}"/>
               </a:ext>
             </a:extLst>
           </p:cNvPr>
@@ -2373,7 +2373,7 @@
           <a:bodyPr/>
           <a:lstStyle/>
           <a:p>
-            <a:fld id="{4E64B947-EA59-4068-AD27-8BC8524AD9CC}" type="datetimeFigureOut">
+            <a:fld id="{54F4A203-6353-4E4E-BCDE-0221EDE2D899}" type="datetimeFigureOut">
               <a:rPr lang="zh-CN" altLang="en-US" smtClean="0"/>
               <a:t>2024/3/10</a:t>
             </a:fld>
@@ -2386,7 +2386,7 @@
           <p:cNvPr id="6" name="页脚占位符 5">
             <a:extLst>
               <a:ext uri="{FF2B5EF4-FFF2-40B4-BE49-F238E27FC236}">
-                <a16:creationId xmlns:a16="http://schemas.microsoft.com/office/drawing/2014/main" id="{17A1C33E-6C38-AC46-7E90-288165154C2A}"/>
+                <a16:creationId xmlns:a16="http://schemas.microsoft.com/office/drawing/2014/main" id="{58FC7997-605C-A49D-B2BE-626645E24895}"/>
               </a:ext>
             </a:extLst>
           </p:cNvPr>
@@ -2411,7 +2411,7 @@
           <p:cNvPr id="7" name="灯片编号占位符 6">
             <a:extLst>
               <a:ext uri="{FF2B5EF4-FFF2-40B4-BE49-F238E27FC236}">
-                <a16:creationId xmlns:a16="http://schemas.microsoft.com/office/drawing/2014/main" id="{069427A8-8BBD-5BC7-2AC8-2C4959E4726A}"/>
+                <a16:creationId xmlns:a16="http://schemas.microsoft.com/office/drawing/2014/main" id="{8D9C92F0-5615-F58D-62EB-7C1E919F2571}"/>
               </a:ext>
             </a:extLst>
           </p:cNvPr>
@@ -2427,7 +2427,7 @@
           <a:bodyPr/>
           <a:lstStyle/>
           <a:p>
-            <a:fld id="{971F9F91-1848-4AE4-AD9B-E32938BAE0A2}" type="slidenum">
+            <a:fld id="{402DD71C-8FB7-4D09-9CF5-452EEF814976}" type="slidenum">
               <a:rPr lang="zh-CN" altLang="en-US" smtClean="0"/>
               <a:t>‹#›</a:t>
             </a:fld>
@@ -2438,7 +2438,7 @@
     </p:spTree>
     <p:extLst>
       <p:ext uri="{BB962C8B-B14F-4D97-AF65-F5344CB8AC3E}">
-        <p14:creationId xmlns:p14="http://schemas.microsoft.com/office/powerpoint/2010/main" val="4093661322"/>
+        <p14:creationId xmlns:p14="http://schemas.microsoft.com/office/powerpoint/2010/main" val="4051048101"/>
       </p:ext>
     </p:extLst>
   </p:cSld>
@@ -2470,7 +2470,7 @@
           <p:cNvPr id="2" name="标题 1">
             <a:extLst>
               <a:ext uri="{FF2B5EF4-FFF2-40B4-BE49-F238E27FC236}">
-                <a16:creationId xmlns:a16="http://schemas.microsoft.com/office/drawing/2014/main" id="{76BFDBD5-4FF5-D6FE-78A9-A4A33DEDB71C}"/>
+                <a16:creationId xmlns:a16="http://schemas.microsoft.com/office/drawing/2014/main" id="{F7389D11-1366-DC67-03FF-D3C3B83D9789}"/>
               </a:ext>
             </a:extLst>
           </p:cNvPr>
@@ -2507,7 +2507,7 @@
           <p:cNvPr id="3" name="图片占位符 2">
             <a:extLst>
               <a:ext uri="{FF2B5EF4-FFF2-40B4-BE49-F238E27FC236}">
-                <a16:creationId xmlns:a16="http://schemas.microsoft.com/office/drawing/2014/main" id="{0AB71D63-CE65-F08A-0DDF-B95B20AB7E62}"/>
+                <a16:creationId xmlns:a16="http://schemas.microsoft.com/office/drawing/2014/main" id="{A3EDA018-F8B9-D064-93CE-64FCE4560001}"/>
               </a:ext>
             </a:extLst>
           </p:cNvPr>
@@ -2574,7 +2574,7 @@
           <p:cNvPr id="4" name="文本占位符 3">
             <a:extLst>
               <a:ext uri="{FF2B5EF4-FFF2-40B4-BE49-F238E27FC236}">
-                <a16:creationId xmlns:a16="http://schemas.microsoft.com/office/drawing/2014/main" id="{9827DBAA-E46B-2AC6-C6C1-6A476F87911B}"/>
+                <a16:creationId xmlns:a16="http://schemas.microsoft.com/office/drawing/2014/main" id="{47025128-F326-762C-7748-3548B03EBC7E}"/>
               </a:ext>
             </a:extLst>
           </p:cNvPr>
@@ -2645,7 +2645,7 @@
           <p:cNvPr id="5" name="日期占位符 4">
             <a:extLst>
               <a:ext uri="{FF2B5EF4-FFF2-40B4-BE49-F238E27FC236}">
-                <a16:creationId xmlns:a16="http://schemas.microsoft.com/office/drawing/2014/main" id="{6617E54C-EB04-EE9D-434B-A772097C40CB}"/>
+                <a16:creationId xmlns:a16="http://schemas.microsoft.com/office/drawing/2014/main" id="{37FFA33F-94E1-828C-3DC6-302A540BFB0B}"/>
               </a:ext>
             </a:extLst>
           </p:cNvPr>
@@ -2661,7 +2661,7 @@
           <a:bodyPr/>
           <a:lstStyle/>
           <a:p>
-            <a:fld id="{4E64B947-EA59-4068-AD27-8BC8524AD9CC}" type="datetimeFigureOut">
+            <a:fld id="{54F4A203-6353-4E4E-BCDE-0221EDE2D899}" type="datetimeFigureOut">
               <a:rPr lang="zh-CN" altLang="en-US" smtClean="0"/>
               <a:t>2024/3/10</a:t>
             </a:fld>
@@ -2674,7 +2674,7 @@
           <p:cNvPr id="6" name="页脚占位符 5">
             <a:extLst>
               <a:ext uri="{FF2B5EF4-FFF2-40B4-BE49-F238E27FC236}">
-                <a16:creationId xmlns:a16="http://schemas.microsoft.com/office/drawing/2014/main" id="{C0829B22-2C28-E24F-6E99-3B3268573365}"/>
+                <a16:creationId xmlns:a16="http://schemas.microsoft.com/office/drawing/2014/main" id="{ED931169-F319-690B-C95A-47FB4062219C}"/>
               </a:ext>
             </a:extLst>
           </p:cNvPr>
@@ -2699,7 +2699,7 @@
           <p:cNvPr id="7" name="灯片编号占位符 6">
             <a:extLst>
               <a:ext uri="{FF2B5EF4-FFF2-40B4-BE49-F238E27FC236}">
-                <a16:creationId xmlns:a16="http://schemas.microsoft.com/office/drawing/2014/main" id="{DF05B79E-C26C-5B5D-FD64-FBBDFD901654}"/>
+                <a16:creationId xmlns:a16="http://schemas.microsoft.com/office/drawing/2014/main" id="{FC98E996-2A00-613D-922A-C13D6023AEA8}"/>
               </a:ext>
             </a:extLst>
           </p:cNvPr>
@@ -2715,7 +2715,7 @@
           <a:bodyPr/>
           <a:lstStyle/>
           <a:p>
-            <a:fld id="{971F9F91-1848-4AE4-AD9B-E32938BAE0A2}" type="slidenum">
+            <a:fld id="{402DD71C-8FB7-4D09-9CF5-452EEF814976}" type="slidenum">
               <a:rPr lang="zh-CN" altLang="en-US" smtClean="0"/>
               <a:t>‹#›</a:t>
             </a:fld>
@@ -2726,7 +2726,7 @@
     </p:spTree>
     <p:extLst>
       <p:ext uri="{BB962C8B-B14F-4D97-AF65-F5344CB8AC3E}">
-        <p14:creationId xmlns:p14="http://schemas.microsoft.com/office/powerpoint/2010/main" val="2693515258"/>
+        <p14:creationId xmlns:p14="http://schemas.microsoft.com/office/powerpoint/2010/main" val="1720790922"/>
       </p:ext>
     </p:extLst>
   </p:cSld>
@@ -2763,7 +2763,7 @@
           <p:cNvPr id="2" name="标题占位符 1">
             <a:extLst>
               <a:ext uri="{FF2B5EF4-FFF2-40B4-BE49-F238E27FC236}">
-                <a16:creationId xmlns:a16="http://schemas.microsoft.com/office/drawing/2014/main" id="{F0C9F795-FF3F-BD8A-6D08-B86E2F272AF1}"/>
+                <a16:creationId xmlns:a16="http://schemas.microsoft.com/office/drawing/2014/main" id="{DDE5BA1B-4350-B079-8DC7-B413B54247ED}"/>
               </a:ext>
             </a:extLst>
           </p:cNvPr>
@@ -2801,7 +2801,7 @@
           <p:cNvPr id="3" name="文本占位符 2">
             <a:extLst>
               <a:ext uri="{FF2B5EF4-FFF2-40B4-BE49-F238E27FC236}">
-                <a16:creationId xmlns:a16="http://schemas.microsoft.com/office/drawing/2014/main" id="{3642C5E9-EBA1-7B68-E938-34414A33F640}"/>
+                <a16:creationId xmlns:a16="http://schemas.microsoft.com/office/drawing/2014/main" id="{8FA42B15-7537-56E8-80DB-8E1326D21B74}"/>
               </a:ext>
             </a:extLst>
           </p:cNvPr>
@@ -2868,7 +2868,7 @@
           <p:cNvPr id="4" name="日期占位符 3">
             <a:extLst>
               <a:ext uri="{FF2B5EF4-FFF2-40B4-BE49-F238E27FC236}">
-                <a16:creationId xmlns:a16="http://schemas.microsoft.com/office/drawing/2014/main" id="{4AEAD605-FA91-1CA7-246D-10E46B707B12}"/>
+                <a16:creationId xmlns:a16="http://schemas.microsoft.com/office/drawing/2014/main" id="{B5A84701-337F-D8F7-F1DF-D06EBC9A0178}"/>
               </a:ext>
             </a:extLst>
           </p:cNvPr>
@@ -2902,7 +2902,7 @@
             </a:lvl1pPr>
           </a:lstStyle>
           <a:p>
-            <a:fld id="{4E64B947-EA59-4068-AD27-8BC8524AD9CC}" type="datetimeFigureOut">
+            <a:fld id="{54F4A203-6353-4E4E-BCDE-0221EDE2D899}" type="datetimeFigureOut">
               <a:rPr lang="zh-CN" altLang="en-US" smtClean="0"/>
               <a:t>2024/3/10</a:t>
             </a:fld>
@@ -2915,7 +2915,7 @@
           <p:cNvPr id="5" name="页脚占位符 4">
             <a:extLst>
               <a:ext uri="{FF2B5EF4-FFF2-40B4-BE49-F238E27FC236}">
-                <a16:creationId xmlns:a16="http://schemas.microsoft.com/office/drawing/2014/main" id="{5143406F-B756-38A1-E5D3-8CB78E12B9F3}"/>
+                <a16:creationId xmlns:a16="http://schemas.microsoft.com/office/drawing/2014/main" id="{6A7423CD-4C2C-5C5D-1118-6D83A503F866}"/>
               </a:ext>
             </a:extLst>
           </p:cNvPr>
@@ -2958,7 +2958,7 @@
           <p:cNvPr id="6" name="灯片编号占位符 5">
             <a:extLst>
               <a:ext uri="{FF2B5EF4-FFF2-40B4-BE49-F238E27FC236}">
-                <a16:creationId xmlns:a16="http://schemas.microsoft.com/office/drawing/2014/main" id="{B90EF566-20EE-456C-1108-D61B4EA42390}"/>
+                <a16:creationId xmlns:a16="http://schemas.microsoft.com/office/drawing/2014/main" id="{61E6F630-C77D-CB0B-A742-438A91E63763}"/>
               </a:ext>
             </a:extLst>
           </p:cNvPr>
@@ -2992,7 +2992,7 @@
             </a:lvl1pPr>
           </a:lstStyle>
           <a:p>
-            <a:fld id="{971F9F91-1848-4AE4-AD9B-E32938BAE0A2}" type="slidenum">
+            <a:fld id="{402DD71C-8FB7-4D09-9CF5-452EEF814976}" type="slidenum">
               <a:rPr lang="zh-CN" altLang="en-US" smtClean="0"/>
               <a:t>‹#›</a:t>
             </a:fld>
@@ -3003,7 +3003,7 @@
     </p:spTree>
     <p:extLst>
       <p:ext uri="{BB962C8B-B14F-4D97-AF65-F5344CB8AC3E}">
-        <p14:creationId xmlns:p14="http://schemas.microsoft.com/office/powerpoint/2010/main" val="2347663855"/>
+        <p14:creationId xmlns:p14="http://schemas.microsoft.com/office/powerpoint/2010/main" val="1592652964"/>
       </p:ext>
     </p:extLst>
   </p:cSld>
@@ -3323,7 +3323,7 @@
       </p:grpSpPr>
       <p:pic>
         <p:nvPicPr>
-          <p:cNvPr id="1093634" name="Picture 2" descr="1067"/>
+          <p:cNvPr id="1094658" name="Picture 2" descr="1068"/>
           <p:cNvPicPr>
             <a:picLocks noChangeAspect="1" noChangeArrowheads="1"/>
           </p:cNvPicPr>
@@ -3344,8 +3344,8 @@
         </p:blipFill>
         <p:spPr bwMode="auto">
           <a:xfrm>
-            <a:off x="1524001" y="0"/>
-            <a:ext cx="9053513" cy="6789738"/>
+            <a:off x="1524000" y="0"/>
+            <a:ext cx="9144000" cy="6858000"/>
           </a:xfrm>
           <a:prstGeom prst="rect">
             <a:avLst/>
@@ -3377,7 +3377,7 @@
       </p:pic>
       <p:pic>
         <p:nvPicPr>
-          <p:cNvPr id="1094659" name="Picture 3" descr="1067-2"/>
+          <p:cNvPr id="1095683" name="Picture 3" descr="1068-2"/>
           <p:cNvPicPr>
             <a:picLocks noChangeAspect="1" noChangeArrowheads="1"/>
           </p:cNvPicPr>
@@ -3398,8 +3398,72 @@
         </p:blipFill>
         <p:spPr bwMode="auto">
           <a:xfrm>
-            <a:off x="1524000" y="0"/>
+            <a:off x="1560513" y="0"/>
             <a:ext cx="9144000" cy="6858000"/>
+          </a:xfrm>
+          <a:prstGeom prst="rect">
+            <a:avLst/>
+          </a:prstGeom>
+          <a:noFill/>
+          <a:ln>
+            <a:noFill/>
+          </a:ln>
+          <a:effectLst/>
+          <a:extLst>
+            <a:ext uri="{909E8E84-426E-40DD-AFC4-6F175D3DCCD1}">
+              <a14:hiddenFill xmlns:a14="http://schemas.microsoft.com/office/drawing/2010/main">
+                <a:solidFill>
+                  <a:srgbClr val="FFFFFF"/>
+                </a:solidFill>
+              </a14:hiddenFill>
+            </a:ext>
+            <a:ext uri="{91240B29-F687-4F45-9708-019B960494DF}">
+              <a14:hiddenLine xmlns:a14="http://schemas.microsoft.com/office/drawing/2010/main" w="9525">
+                <a:solidFill>
+                  <a:srgbClr val="000000"/>
+                </a:solidFill>
+                <a:miter lim="800000"/>
+                <a:headEnd/>
+                <a:tailEnd/>
+              </a14:hiddenLine>
+            </a:ext>
+            <a:ext uri="{AF507438-7753-43E0-B8FC-AC1667EBCBE1}">
+              <a14:hiddenEffects xmlns:a14="http://schemas.microsoft.com/office/drawing/2010/main">
+                <a:effectLst>
+                  <a:outerShdw dist="35921" dir="2700000" algn="ctr" rotWithShape="0">
+                    <a:srgbClr val="808080"/>
+                  </a:outerShdw>
+                </a:effectLst>
+              </a14:hiddenEffects>
+            </a:ext>
+          </a:extLst>
+        </p:spPr>
+      </p:pic>
+      <p:pic>
+        <p:nvPicPr>
+          <p:cNvPr id="1095684" name="Picture 4" descr="1068-3"/>
+          <p:cNvPicPr>
+            <a:picLocks noChangeAspect="1" noChangeArrowheads="1"/>
+          </p:cNvPicPr>
+          <p:nvPr/>
+        </p:nvPicPr>
+        <p:blipFill>
+          <a:blip r:embed="rId4">
+            <a:extLst>
+              <a:ext uri="{28A0092B-C50C-407E-A947-70E740481C1C}">
+                <a14:useLocalDpi xmlns:a14="http://schemas.microsoft.com/office/drawing/2010/main" val="0"/>
+              </a:ext>
+            </a:extLst>
+          </a:blip>
+          <a:srcRect/>
+          <a:stretch>
+            <a:fillRect/>
+          </a:stretch>
+        </p:blipFill>
+        <p:spPr bwMode="auto">
+          <a:xfrm>
+            <a:off x="1525588" y="1589"/>
+            <a:ext cx="9180512" cy="6884987"/>
           </a:xfrm>
           <a:prstGeom prst="rect">
             <a:avLst/>
@@ -3478,7 +3542,7 @@
                                           </p:stCondLst>
                                         </p:cTn>
                                         <p:tgtEl>
-                                          <p:spTgt spid="1094659"/>
+                                          <p:spTgt spid="1095683"/>
                                         </p:tgtEl>
                                         <p:attrNameLst>
                                           <p:attrName>style.visibility</p:attrName>
@@ -3492,7 +3556,60 @@
                                       <p:cBhvr>
                                         <p:cTn id="7" dur="500"/>
                                         <p:tgtEl>
-                                          <p:spTgt spid="1094659"/>
+                                          <p:spTgt spid="1095683"/>
+                                        </p:tgtEl>
+                                      </p:cBhvr>
+                                    </p:animEffect>
+                                  </p:childTnLst>
+                                </p:cTn>
+                              </p:par>
+                            </p:childTnLst>
+                          </p:cTn>
+                        </p:par>
+                      </p:childTnLst>
+                    </p:cTn>
+                  </p:par>
+                  <p:par>
+                    <p:cTn id="8" fill="hold" nodeType="clickPar">
+                      <p:stCondLst>
+                        <p:cond delay="indefinite"/>
+                      </p:stCondLst>
+                      <p:childTnLst>
+                        <p:par>
+                          <p:cTn id="9" fill="hold" nodeType="withGroup">
+                            <p:stCondLst>
+                              <p:cond delay="0"/>
+                            </p:stCondLst>
+                            <p:childTnLst>
+                              <p:par>
+                                <p:cTn id="10" presetID="10" presetClass="entr" presetSubtype="0" fill="hold" nodeType="clickEffect">
+                                  <p:stCondLst>
+                                    <p:cond delay="0"/>
+                                  </p:stCondLst>
+                                  <p:childTnLst>
+                                    <p:set>
+                                      <p:cBhvr>
+                                        <p:cTn id="11" dur="1" fill="hold">
+                                          <p:stCondLst>
+                                            <p:cond delay="0"/>
+                                          </p:stCondLst>
+                                        </p:cTn>
+                                        <p:tgtEl>
+                                          <p:spTgt spid="1095684"/>
+                                        </p:tgtEl>
+                                        <p:attrNameLst>
+                                          <p:attrName>style.visibility</p:attrName>
+                                        </p:attrNameLst>
+                                      </p:cBhvr>
+                                      <p:to>
+                                        <p:strVal val="visible"/>
+                                      </p:to>
+                                    </p:set>
+                                    <p:animEffect transition="in" filter="fade">
+                                      <p:cBhvr>
+                                        <p:cTn id="12" dur="500"/>
+                                        <p:tgtEl>
+                                          <p:spTgt spid="1095684"/>
                                         </p:tgtEl>
                                       </p:cBhvr>
                                     </p:animEffect>
